--- a/Präsentationen/MSGESR3.pptx
+++ b/Präsentationen/MSGESR3.pptx
@@ -5,10 +5,10 @@
     <p:sldMasterId id="2147483648" r:id="rId1"/>
   </p:sldMasterIdLst>
   <p:notesMasterIdLst>
-    <p:notesMasterId r:id="rId15"/>
+    <p:notesMasterId r:id="rId16"/>
   </p:notesMasterIdLst>
   <p:handoutMasterIdLst>
-    <p:handoutMasterId r:id="rId16"/>
+    <p:handoutMasterId r:id="rId17"/>
   </p:handoutMasterIdLst>
   <p:sldIdLst>
     <p:sldId id="256" r:id="rId2"/>
@@ -24,6 +24,7 @@
     <p:sldId id="269" r:id="rId12"/>
     <p:sldId id="270" r:id="rId13"/>
     <p:sldId id="272" r:id="rId14"/>
+    <p:sldId id="273" r:id="rId15"/>
   </p:sldIdLst>
   <p:sldSz cx="9144000" cy="6858000" type="screen4x3"/>
   <p:notesSz cx="6858000" cy="9144000"/>
@@ -3018,18 +3019,11 @@
           <a:p>
             <a:r>
               <a:rPr lang="de-DE" dirty="0" smtClean="0"/>
-              <a:t>		    Testszenario</a:t>
-            </a:r>
-            <a:br>
+              <a:t>		    </a:t>
+            </a:r>
+            <a:r>
               <a:rPr lang="de-DE" dirty="0" smtClean="0"/>
-            </a:br>
-            <a:r>
-              <a:rPr lang="de-DE" dirty="0" smtClean="0"/>
-              <a:t>(Beschreibung des </a:t>
-            </a:r>
-            <a:r>
-              <a:rPr lang="de-DE" smtClean="0"/>
-              <a:t>Ablaufs Jungs)</a:t>
+              <a:t>Testablauf</a:t>
             </a:r>
             <a:endParaRPr lang="de-DE" dirty="0"/>
           </a:p>
@@ -3050,73 +3044,60 @@
           <a:bodyPr/>
           <a:lstStyle/>
           <a:p>
-            <a:pPr marL="114300" indent="-457200">
-              <a:buFont typeface="+mj-lt"/>
-              <a:buAutoNum type="arabicPeriod"/>
-            </a:pPr>
-            <a:r>
-              <a:rPr lang="de-DE" dirty="0" smtClean="0"/>
-              <a:t>A</a:t>
-            </a:r>
-          </a:p>
-          <a:p>
-            <a:pPr marL="114300" indent="-457200">
-              <a:buFont typeface="+mj-lt"/>
-              <a:buAutoNum type="arabicPeriod"/>
-            </a:pPr>
-            <a:r>
-              <a:rPr lang="de-DE" dirty="0" smtClean="0"/>
-              <a:t>B</a:t>
-            </a:r>
-          </a:p>
-          <a:p>
-            <a:pPr marL="114300" indent="-457200">
-              <a:buFont typeface="+mj-lt"/>
-              <a:buAutoNum type="arabicPeriod"/>
-            </a:pPr>
-            <a:r>
-              <a:rPr lang="de-DE" dirty="0" smtClean="0"/>
-              <a:t>C</a:t>
-            </a:r>
-          </a:p>
-          <a:p>
-            <a:pPr marL="114300" indent="-457200">
-              <a:buFont typeface="+mj-lt"/>
-              <a:buAutoNum type="arabicPeriod"/>
-            </a:pPr>
-            <a:r>
-              <a:rPr lang="de-DE" dirty="0" smtClean="0"/>
-              <a:t>D</a:t>
-            </a:r>
-          </a:p>
-          <a:p>
-            <a:pPr marL="114300" indent="-457200">
-              <a:buFont typeface="+mj-lt"/>
-              <a:buAutoNum type="arabicPeriod"/>
-            </a:pPr>
-            <a:r>
-              <a:rPr lang="de-DE" dirty="0" smtClean="0"/>
-              <a:t>E</a:t>
-            </a:r>
-          </a:p>
-          <a:p>
-            <a:pPr marL="114300" indent="-457200">
-              <a:buFont typeface="+mj-lt"/>
-              <a:buAutoNum type="arabicPeriod"/>
-            </a:pPr>
-            <a:r>
-              <a:rPr lang="de-DE" dirty="0" smtClean="0"/>
-              <a:t>F</a:t>
-            </a:r>
-          </a:p>
-          <a:p>
-            <a:pPr marL="114300" indent="-457200">
-              <a:buFont typeface="+mj-lt"/>
-              <a:buAutoNum type="arabicPeriod"/>
-            </a:pPr>
-            <a:r>
-              <a:rPr lang="de-DE" dirty="0" smtClean="0"/>
-              <a:t>G</a:t>
+            <a:pPr indent="0"/>
+            <a:r>
+              <a:rPr lang="de-DE" b="1" dirty="0"/>
+              <a:t>Zielgruppe: </a:t>
+            </a:r>
+          </a:p>
+          <a:p>
+            <a:pPr indent="0"/>
+            <a:endParaRPr lang="de-DE" dirty="0"/>
+          </a:p>
+          <a:p>
+            <a:pPr indent="0"/>
+            <a:endParaRPr lang="de-DE" dirty="0"/>
+          </a:p>
+          <a:p>
+            <a:pPr marL="285750" indent="-285750">
+              <a:lnSpc>
+                <a:spcPct val="150000"/>
+              </a:lnSpc>
+              <a:buFont typeface="Arial"/>
+              <a:buChar char="•"/>
+            </a:pPr>
+            <a:r>
+              <a:rPr lang="de-DE" dirty="0"/>
+              <a:t>Fokus auf Probanden, die leicht „</a:t>
+            </a:r>
+            <a:r>
+              <a:rPr lang="de-DE" dirty="0" err="1"/>
+              <a:t>motion</a:t>
+            </a:r>
+            <a:r>
+              <a:rPr lang="de-DE" dirty="0"/>
+              <a:t> sick“ werden (Testpersonen, die vor den jeweiligen Szenarios wissen, dass sie schnell </a:t>
+            </a:r>
+            <a:r>
+              <a:rPr lang="de-DE" dirty="0" err="1"/>
+              <a:t>motion</a:t>
+            </a:r>
+            <a:r>
+              <a:rPr lang="de-DE" dirty="0"/>
+              <a:t> sick werden)</a:t>
+            </a:r>
+          </a:p>
+          <a:p>
+            <a:pPr marL="285750" indent="-285750">
+              <a:lnSpc>
+                <a:spcPct val="150000"/>
+              </a:lnSpc>
+              <a:buFont typeface="Arial"/>
+              <a:buChar char="•"/>
+            </a:pPr>
+            <a:r>
+              <a:rPr lang="de-DE" dirty="0"/>
+              <a:t>Möglichst viele verschiedene Testpersonen auffinden (jung, alt, männlich, weiblich...)</a:t>
             </a:r>
           </a:p>
           <a:p>
@@ -3132,6 +3113,232 @@
     <p:extLst>
       <p:ext uri="{BB962C8B-B14F-4D97-AF65-F5344CB8AC3E}">
         <p14:creationId xmlns:p14="http://schemas.microsoft.com/office/powerpoint/2010/main" val="1477740946"/>
+      </p:ext>
+    </p:extLst>
+  </p:cSld>
+  <p:clrMapOvr>
+    <a:masterClrMapping/>
+  </p:clrMapOvr>
+  <p:timing>
+    <p:tnLst>
+      <p:par>
+        <p:cTn id="1" dur="indefinite" restart="never" nodeType="tmRoot"/>
+      </p:par>
+    </p:tnLst>
+  </p:timing>
+</p:sld>
+</file>
+
+<file path=ppt/slides/slide14.xml><?xml version="1.0" encoding="utf-8"?>
+<p:sld xmlns:a="http://schemas.openxmlformats.org/drawingml/2006/main" xmlns:r="http://schemas.openxmlformats.org/officeDocument/2006/relationships" xmlns:p="http://schemas.openxmlformats.org/presentationml/2006/main">
+  <p:cSld>
+    <p:spTree>
+      <p:nvGrpSpPr>
+        <p:cNvPr id="1" name=""/>
+        <p:cNvGrpSpPr/>
+        <p:nvPr/>
+      </p:nvGrpSpPr>
+      <p:grpSpPr>
+        <a:xfrm>
+          <a:off x="0" y="0"/>
+          <a:ext cx="0" cy="0"/>
+          <a:chOff x="0" y="0"/>
+          <a:chExt cx="0" cy="0"/>
+        </a:xfrm>
+      </p:grpSpPr>
+      <p:sp>
+        <p:nvSpPr>
+          <p:cNvPr id="2" name="Titel 1"/>
+          <p:cNvSpPr>
+            <a:spLocks noGrp="1"/>
+          </p:cNvSpPr>
+          <p:nvPr>
+            <p:ph type="title"/>
+          </p:nvPr>
+        </p:nvSpPr>
+        <p:spPr/>
+        <p:txBody>
+          <a:bodyPr/>
+          <a:lstStyle/>
+          <a:p>
+            <a:r>
+              <a:rPr lang="de-DE" dirty="0" smtClean="0"/>
+              <a:t>		     Testablauf</a:t>
+            </a:r>
+            <a:endParaRPr lang="de-DE" dirty="0"/>
+          </a:p>
+        </p:txBody>
+      </p:sp>
+      <p:sp>
+        <p:nvSpPr>
+          <p:cNvPr id="3" name="Inhaltsplatzhalter 2"/>
+          <p:cNvSpPr>
+            <a:spLocks noGrp="1"/>
+          </p:cNvSpPr>
+          <p:nvPr>
+            <p:ph sz="half" idx="1"/>
+          </p:nvPr>
+        </p:nvSpPr>
+        <p:spPr/>
+        <p:txBody>
+          <a:bodyPr>
+            <a:normAutofit lnSpcReduction="10000"/>
+          </a:bodyPr>
+          <a:lstStyle/>
+          <a:p>
+            <a:pPr>
+              <a:buFont typeface="Arial"/>
+              <a:buChar char="•"/>
+            </a:pPr>
+            <a:r>
+              <a:rPr lang="de-DE" b="1" dirty="0"/>
+              <a:t>Messung Motion </a:t>
+            </a:r>
+            <a:r>
+              <a:rPr lang="de-DE" b="1" dirty="0" err="1"/>
+              <a:t>Sickness</a:t>
+            </a:r>
+            <a:endParaRPr lang="de-DE" b="1" dirty="0"/>
+          </a:p>
+          <a:p>
+            <a:pPr indent="0"/>
+            <a:endParaRPr lang="de-DE" dirty="0"/>
+          </a:p>
+          <a:p>
+            <a:pPr marL="800100" lvl="1" indent="-400050">
+              <a:buFont typeface="+mj-lt"/>
+              <a:buAutoNum type="romanUcPeriod"/>
+            </a:pPr>
+            <a:r>
+              <a:rPr lang="de-DE" dirty="0"/>
+              <a:t>Fragebogen(VRSQ, GEQ, SPQ</a:t>
+            </a:r>
+            <a:r>
+              <a:rPr lang="de-DE" dirty="0" smtClean="0"/>
+              <a:t>)</a:t>
+            </a:r>
+          </a:p>
+          <a:p>
+            <a:pPr marL="800100" lvl="1" indent="-400050">
+              <a:buFont typeface="+mj-lt"/>
+              <a:buAutoNum type="romanUcPeriod"/>
+            </a:pPr>
+            <a:r>
+              <a:rPr lang="de-DE" dirty="0" smtClean="0"/>
+              <a:t>Polar Gurt zur Messung der Herzaktivität</a:t>
+            </a:r>
+          </a:p>
+          <a:p>
+            <a:pPr marL="800100" lvl="1" indent="-400050">
+              <a:buFont typeface="+mj-lt"/>
+              <a:buAutoNum type="romanUcPeriod"/>
+            </a:pPr>
+            <a:r>
+              <a:rPr lang="de-DE" dirty="0" smtClean="0"/>
+              <a:t>Post-Test Fragebogen</a:t>
+            </a:r>
+          </a:p>
+          <a:p>
+            <a:pPr marL="400050" lvl="1" indent="0"/>
+            <a:endParaRPr lang="de-DE" dirty="0" smtClean="0"/>
+          </a:p>
+          <a:p>
+            <a:pPr>
+              <a:buFont typeface="Arial"/>
+              <a:buChar char="•"/>
+            </a:pPr>
+            <a:r>
+              <a:rPr lang="de-DE" b="1" dirty="0"/>
+              <a:t>Messung anderer Variablen</a:t>
+            </a:r>
+          </a:p>
+          <a:p>
+            <a:pPr indent="0"/>
+            <a:r>
+              <a:rPr lang="de-DE" dirty="0"/>
+              <a:t>	</a:t>
+            </a:r>
+          </a:p>
+          <a:p>
+            <a:pPr marL="800100" lvl="1" indent="-400050">
+              <a:buFont typeface="+mj-lt"/>
+              <a:buAutoNum type="romanUcPeriod"/>
+            </a:pPr>
+            <a:r>
+              <a:rPr lang="de-DE" dirty="0"/>
+              <a:t>Task Times</a:t>
+            </a:r>
+          </a:p>
+          <a:p>
+            <a:pPr marL="800100" lvl="1" indent="-400050">
+              <a:buFont typeface="+mj-lt"/>
+              <a:buAutoNum type="romanUcPeriod"/>
+            </a:pPr>
+            <a:r>
+              <a:rPr lang="de-DE" dirty="0" err="1"/>
+              <a:t>Completion</a:t>
+            </a:r>
+            <a:r>
+              <a:rPr lang="de-DE" dirty="0"/>
+              <a:t> Rates </a:t>
+            </a:r>
+          </a:p>
+          <a:p>
+            <a:pPr marL="800100" lvl="1" indent="-400050">
+              <a:buFont typeface="+mj-lt"/>
+              <a:buAutoNum type="romanUcPeriod"/>
+            </a:pPr>
+            <a:r>
+              <a:rPr lang="de-DE" dirty="0"/>
+              <a:t>Kommentare der Probanden</a:t>
+            </a:r>
+          </a:p>
+          <a:p>
+            <a:pPr marL="800100" lvl="1" indent="-400050">
+              <a:buFont typeface="+mj-lt"/>
+              <a:buAutoNum type="romanUcPeriod"/>
+            </a:pPr>
+            <a:r>
+              <a:rPr lang="de-DE" dirty="0"/>
+              <a:t>Besondere Vorkommnisse </a:t>
+            </a:r>
+            <a:r>
+              <a:rPr lang="de-DE" dirty="0" smtClean="0"/>
+              <a:t>				</a:t>
+            </a:r>
+            <a:endParaRPr lang="de-DE" dirty="0"/>
+          </a:p>
+          <a:p>
+            <a:pPr marL="400050" lvl="1" indent="0"/>
+            <a:endParaRPr lang="de-DE" dirty="0"/>
+          </a:p>
+          <a:p>
+            <a:pPr marL="400050" lvl="1" indent="0"/>
+            <a:endParaRPr lang="de-DE" dirty="0" smtClean="0"/>
+          </a:p>
+          <a:p>
+            <a:pPr>
+              <a:buFont typeface="Arial"/>
+              <a:buChar char="•"/>
+            </a:pPr>
+            <a:r>
+              <a:rPr lang="de-DE" b="1" dirty="0" smtClean="0"/>
+              <a:t>Auswertung aller aufgenommenen Variablen</a:t>
+            </a:r>
+          </a:p>
+          <a:p>
+            <a:pPr indent="0"/>
+            <a:r>
+              <a:rPr lang="de-DE" dirty="0"/>
+              <a:t>		</a:t>
+            </a:r>
+          </a:p>
+        </p:txBody>
+      </p:sp>
+    </p:spTree>
+    <p:extLst>
+      <p:ext uri="{BB962C8B-B14F-4D97-AF65-F5344CB8AC3E}">
+        <p14:creationId xmlns:p14="http://schemas.microsoft.com/office/powerpoint/2010/main" val="4102375795"/>
       </p:ext>
     </p:extLst>
   </p:cSld>
@@ -3352,11 +3559,7 @@
             </a:pPr>
             <a:r>
               <a:rPr lang="de-DE" sz="1100" u="sng" dirty="0" smtClean="0"/>
-              <a:t>Verbindung von Unreal mit </a:t>
-            </a:r>
-            <a:r>
-              <a:rPr lang="de-DE" sz="1100" u="sng" dirty="0" smtClean="0"/>
-              <a:t>VR-Endgeräten</a:t>
+              <a:t>Verbindung von Unreal mit VR-Endgeräten</a:t>
             </a:r>
           </a:p>
           <a:p>
@@ -4567,15 +4770,7 @@
             </a:pPr>
             <a:r>
               <a:rPr lang="de-DE" dirty="0" smtClean="0"/>
-              <a:t>Erschaffung </a:t>
-            </a:r>
-            <a:r>
-              <a:rPr lang="de-DE" dirty="0" smtClean="0"/>
-              <a:t>kleinerer </a:t>
-            </a:r>
-            <a:r>
-              <a:rPr lang="de-DE" dirty="0" smtClean="0"/>
-              <a:t>Charakteranimationen</a:t>
+              <a:t>Erschaffung kleinerer Charakteranimationen</a:t>
             </a:r>
           </a:p>
           <a:p>
@@ -4836,19 +5031,7 @@
               <a:rPr lang="de-DE" dirty="0" smtClean="0">
                 <a:sym typeface="Wingdings" panose="05000000000000000000" pitchFamily="2" charset="2"/>
               </a:rPr>
-              <a:t>Werden </a:t>
-            </a:r>
-            <a:r>
-              <a:rPr lang="de-DE" dirty="0" smtClean="0">
-                <a:sym typeface="Wingdings" panose="05000000000000000000" pitchFamily="2" charset="2"/>
-              </a:rPr>
-              <a:t>alle Münzen eingesammelt, ist das Spiel erfolgreich absolviert</a:t>
-            </a:r>
-            <a:r>
-              <a:rPr lang="de-DE" dirty="0" smtClean="0">
-                <a:sym typeface="Wingdings" panose="05000000000000000000" pitchFamily="2" charset="2"/>
-              </a:rPr>
-              <a:t>.</a:t>
+              <a:t>Werden alle Münzen eingesammelt, ist das Spiel erfolgreich absolviert.</a:t>
             </a:r>
           </a:p>
           <a:p>

--- a/Präsentationen/MSGESR3.pptx
+++ b/Präsentationen/MSGESR3.pptx
@@ -239,7 +239,7 @@
             <a:fld id="{350B7780-B50B-474C-85C6-0B4009B6F014}" type="datetimeFigureOut">
               <a:rPr lang="de-DE" smtClean="0"/>
               <a:pPr/>
-              <a:t>21.01.2016</a:t>
+              <a:t>23.01.2016</a:t>
             </a:fld>
             <a:endParaRPr lang="de-DE"/>
           </a:p>
@@ -406,7 +406,7 @@
             <a:fld id="{19FFB102-D3AF-431C-A902-ADE5B2A48608}" type="datetimeFigureOut">
               <a:rPr lang="de-DE" smtClean="0"/>
               <a:pPr/>
-              <a:t>21.01.2016</a:t>
+              <a:t>23.01.2016</a:t>
             </a:fld>
             <a:endParaRPr lang="de-DE"/>
           </a:p>
@@ -805,7 +805,7 @@
             <a:fld id="{1BA50D42-C9CD-4801-B293-61D1F53EC57E}" type="datetimeFigureOut">
               <a:rPr lang="de-DE" smtClean="0"/>
               <a:pPr/>
-              <a:t>21.01.2016</a:t>
+              <a:t>23.01.2016</a:t>
             </a:fld>
             <a:endParaRPr lang="de-DE"/>
           </a:p>
@@ -2835,7 +2835,7 @@
       </p:sp>
       <p:pic>
         <p:nvPicPr>
-          <p:cNvPr id="4" name="Inhaltsplatzhalter 3"/>
+          <p:cNvPr id="5" name="Inhaltsplatzhalter 4"/>
           <p:cNvPicPr>
             <a:picLocks noGrp="1" noChangeAspect="1"/>
           </p:cNvPicPr>
@@ -2857,12 +2857,9 @@
         </p:blipFill>
         <p:spPr>
           <a:xfrm>
-            <a:off x="2915816" y="2348880"/>
-            <a:ext cx="3619500" cy="3810000"/>
+            <a:off x="1043608" y="2636912"/>
+            <a:ext cx="7200900" cy="2449285"/>
           </a:xfrm>
-          <a:prstGeom prst="rect">
-            <a:avLst/>
-          </a:prstGeom>
         </p:spPr>
       </p:pic>
     </p:spTree>
@@ -3019,11 +3016,7 @@
           <a:p>
             <a:r>
               <a:rPr lang="de-DE" dirty="0" smtClean="0"/>
-              <a:t>		    </a:t>
-            </a:r>
-            <a:r>
-              <a:rPr lang="de-DE" dirty="0" smtClean="0"/>
-              <a:t>Testablauf</a:t>
+              <a:t>		    Testablauf</a:t>
             </a:r>
             <a:endParaRPr lang="de-DE" dirty="0"/>
           </a:p>

--- a/Präsentationen/MSGESR3.pptx
+++ b/Präsentationen/MSGESR3.pptx
@@ -239,7 +239,7 @@
             <a:fld id="{350B7780-B50B-474C-85C6-0B4009B6F014}" type="datetimeFigureOut">
               <a:rPr lang="de-DE" smtClean="0"/>
               <a:pPr/>
-              <a:t>23.01.2016</a:t>
+              <a:t>27.01.2016</a:t>
             </a:fld>
             <a:endParaRPr lang="de-DE"/>
           </a:p>
@@ -406,7 +406,7 @@
             <a:fld id="{19FFB102-D3AF-431C-A902-ADE5B2A48608}" type="datetimeFigureOut">
               <a:rPr lang="de-DE" smtClean="0"/>
               <a:pPr/>
-              <a:t>23.01.2016</a:t>
+              <a:t>27.01.2016</a:t>
             </a:fld>
             <a:endParaRPr lang="de-DE"/>
           </a:p>
@@ -805,7 +805,7 @@
             <a:fld id="{1BA50D42-C9CD-4801-B293-61D1F53EC57E}" type="datetimeFigureOut">
               <a:rPr lang="de-DE" smtClean="0"/>
               <a:pPr/>
-              <a:t>23.01.2016</a:t>
+              <a:t>27.01.2016</a:t>
             </a:fld>
             <a:endParaRPr lang="de-DE"/>
           </a:p>
@@ -3621,6 +3621,21 @@
               <a:rPr lang="de-DE" sz="1100" dirty="0" smtClean="0"/>
               <a:t>Der Interaktion mit der Spielumgebung durch die Tastatur (100%)</a:t>
             </a:r>
+          </a:p>
+          <a:p>
+            <a:pPr marL="171450" indent="-514350">
+              <a:buFont typeface="+mj-lt"/>
+              <a:buAutoNum type="romanUcPeriod"/>
+            </a:pPr>
+            <a:r>
+              <a:rPr lang="de-DE" sz="1100" dirty="0" smtClean="0"/>
+              <a:t>Der Interaktion mit der Spielumgebung durch </a:t>
+            </a:r>
+            <a:r>
+              <a:rPr lang="de-DE" sz="1100" smtClean="0"/>
+              <a:t>den Controller (100%)</a:t>
+            </a:r>
+            <a:endParaRPr lang="de-DE" sz="1100" dirty="0" smtClean="0"/>
           </a:p>
           <a:p>
             <a:pPr indent="0"/>
